--- a/presentation/CSAW_2023_second_stage .pptx
+++ b/presentation/CSAW_2023_second_stage .pptx
@@ -8651,12 +8651,18 @@
           <a:lstStyle/>
           <a:p>
             <a:r>
-              <a:rPr lang="en-US" dirty="0"/>
-              <a:t>Code and </a:t>
-            </a:r>
-            <a:r>
               <a:rPr lang="en-US" dirty="0">
                 <a:hlinkClick r:id="rId6"/>
+              </a:rPr>
+              <a:t>Code</a:t>
+            </a:r>
+            <a:r>
+              <a:rPr lang="en-US" dirty="0"/>
+              <a:t> and </a:t>
+            </a:r>
+            <a:r>
+              <a:rPr lang="en-US" dirty="0">
+                <a:hlinkClick r:id="rId7"/>
               </a:rPr>
               <a:t>testbench</a:t>
             </a:r>

--- a/presentation/CSAW_2023_second_stage .pptx
+++ b/presentation/CSAW_2023_second_stage .pptx
@@ -16,13 +16,14 @@
     <p:sldId id="280" r:id="rId10"/>
     <p:sldId id="258" r:id="rId11"/>
     <p:sldId id="261" r:id="rId12"/>
-    <p:sldId id="269" r:id="rId13"/>
-    <p:sldId id="267" r:id="rId14"/>
-    <p:sldId id="273" r:id="rId15"/>
-    <p:sldId id="263" r:id="rId16"/>
-    <p:sldId id="275" r:id="rId17"/>
-    <p:sldId id="277" r:id="rId18"/>
-    <p:sldId id="278" r:id="rId19"/>
+    <p:sldId id="281" r:id="rId13"/>
+    <p:sldId id="269" r:id="rId14"/>
+    <p:sldId id="267" r:id="rId15"/>
+    <p:sldId id="273" r:id="rId16"/>
+    <p:sldId id="263" r:id="rId17"/>
+    <p:sldId id="275" r:id="rId18"/>
+    <p:sldId id="277" r:id="rId19"/>
+    <p:sldId id="278" r:id="rId20"/>
   </p:sldIdLst>
   <p:sldSz cx="12192000" cy="6858000"/>
   <p:notesSz cx="6858000" cy="9144000"/>
@@ -138,6 +139,13 @@
       </p:ext>
     </p:extLst>
   </p:cmAuthor>
+  <p:cmAuthor id="2" name="Alexandros Papaioanou" initials="AP" lastIdx="1" clrIdx="1">
+    <p:extLst>
+      <p:ext uri="{19B8F6BF-5375-455C-9EA6-DF929625EA0E}">
+        <p15:presenceInfo xmlns:p15="http://schemas.microsoft.com/office/powerpoint/2012/main" userId="d2515e89f373cf07" providerId="Windows Live"/>
+      </p:ext>
+    </p:extLst>
+  </p:cmAuthor>
 </p:cmAuthorLst>
 </file>
 
@@ -304,7 +312,7 @@
           <a:p>
             <a:fld id="{5BF7584E-B7F9-42B6-AFB7-0AA885C436D7}" type="datetimeFigureOut">
               <a:rPr lang="el-GR" smtClean="0"/>
-              <a:t>23/10/2023</a:t>
+              <a:t>25/10/2023</a:t>
             </a:fld>
             <a:endParaRPr lang="el-GR"/>
           </a:p>
@@ -504,7 +512,7 @@
           <a:p>
             <a:fld id="{5BF7584E-B7F9-42B6-AFB7-0AA885C436D7}" type="datetimeFigureOut">
               <a:rPr lang="el-GR" smtClean="0"/>
-              <a:t>23/10/2023</a:t>
+              <a:t>25/10/2023</a:t>
             </a:fld>
             <a:endParaRPr lang="el-GR"/>
           </a:p>
@@ -714,7 +722,7 @@
           <a:p>
             <a:fld id="{5BF7584E-B7F9-42B6-AFB7-0AA885C436D7}" type="datetimeFigureOut">
               <a:rPr lang="el-GR" smtClean="0"/>
-              <a:t>23/10/2023</a:t>
+              <a:t>25/10/2023</a:t>
             </a:fld>
             <a:endParaRPr lang="el-GR"/>
           </a:p>
@@ -914,7 +922,7 @@
           <a:p>
             <a:fld id="{5BF7584E-B7F9-42B6-AFB7-0AA885C436D7}" type="datetimeFigureOut">
               <a:rPr lang="el-GR" smtClean="0"/>
-              <a:t>23/10/2023</a:t>
+              <a:t>25/10/2023</a:t>
             </a:fld>
             <a:endParaRPr lang="el-GR"/>
           </a:p>
@@ -1190,7 +1198,7 @@
           <a:p>
             <a:fld id="{5BF7584E-B7F9-42B6-AFB7-0AA885C436D7}" type="datetimeFigureOut">
               <a:rPr lang="el-GR" smtClean="0"/>
-              <a:t>23/10/2023</a:t>
+              <a:t>25/10/2023</a:t>
             </a:fld>
             <a:endParaRPr lang="el-GR"/>
           </a:p>
@@ -1458,7 +1466,7 @@
           <a:p>
             <a:fld id="{5BF7584E-B7F9-42B6-AFB7-0AA885C436D7}" type="datetimeFigureOut">
               <a:rPr lang="el-GR" smtClean="0"/>
-              <a:t>23/10/2023</a:t>
+              <a:t>25/10/2023</a:t>
             </a:fld>
             <a:endParaRPr lang="el-GR"/>
           </a:p>
@@ -1873,7 +1881,7 @@
           <a:p>
             <a:fld id="{5BF7584E-B7F9-42B6-AFB7-0AA885C436D7}" type="datetimeFigureOut">
               <a:rPr lang="el-GR" smtClean="0"/>
-              <a:t>23/10/2023</a:t>
+              <a:t>25/10/2023</a:t>
             </a:fld>
             <a:endParaRPr lang="el-GR"/>
           </a:p>
@@ -2015,7 +2023,7 @@
           <a:p>
             <a:fld id="{5BF7584E-B7F9-42B6-AFB7-0AA885C436D7}" type="datetimeFigureOut">
               <a:rPr lang="el-GR" smtClean="0"/>
-              <a:t>23/10/2023</a:t>
+              <a:t>25/10/2023</a:t>
             </a:fld>
             <a:endParaRPr lang="el-GR"/>
           </a:p>
@@ -2128,7 +2136,7 @@
           <a:p>
             <a:fld id="{5BF7584E-B7F9-42B6-AFB7-0AA885C436D7}" type="datetimeFigureOut">
               <a:rPr lang="el-GR" smtClean="0"/>
-              <a:t>23/10/2023</a:t>
+              <a:t>25/10/2023</a:t>
             </a:fld>
             <a:endParaRPr lang="el-GR"/>
           </a:p>
@@ -2441,7 +2449,7 @@
           <a:p>
             <a:fld id="{5BF7584E-B7F9-42B6-AFB7-0AA885C436D7}" type="datetimeFigureOut">
               <a:rPr lang="el-GR" smtClean="0"/>
-              <a:t>23/10/2023</a:t>
+              <a:t>25/10/2023</a:t>
             </a:fld>
             <a:endParaRPr lang="el-GR"/>
           </a:p>
@@ -2730,7 +2738,7 @@
           <a:p>
             <a:fld id="{5BF7584E-B7F9-42B6-AFB7-0AA885C436D7}" type="datetimeFigureOut">
               <a:rPr lang="el-GR" smtClean="0"/>
-              <a:t>23/10/2023</a:t>
+              <a:t>25/10/2023</a:t>
             </a:fld>
             <a:endParaRPr lang="el-GR"/>
           </a:p>
@@ -2973,7 +2981,7 @@
           <a:p>
             <a:fld id="{5BF7584E-B7F9-42B6-AFB7-0AA885C436D7}" type="datetimeFigureOut">
               <a:rPr lang="el-GR" smtClean="0"/>
-              <a:t>23/10/2023</a:t>
+              <a:t>25/10/2023</a:t>
             </a:fld>
             <a:endParaRPr lang="el-GR"/>
           </a:p>
@@ -4016,7 +4024,7 @@
                   <a:ea typeface="Source Sans Pro" charset="0"/>
                   <a:cs typeface="Source Sans Pro" charset="0"/>
                 </a:rPr>
-                <a:t>1</a:t>
+                <a:t>2</a:t>
               </a:r>
               <a:r>
                 <a:rPr lang="en-US" sz="11500" baseline="30000" dirty="0">
@@ -4339,10 +4347,10 @@
       </p:grpSpPr>
       <p:sp>
         <p:nvSpPr>
-          <p:cNvPr id="2" name="TextBox 1">
-            <a:extLst>
-              <a:ext uri="{FF2B5EF4-FFF2-40B4-BE49-F238E27FC236}">
-                <a16:creationId xmlns:a16="http://schemas.microsoft.com/office/drawing/2014/main" id="{460B2A20-4D91-3DEA-06FB-25041B66BA70}"/>
+          <p:cNvPr id="5" name="TextBox 4">
+            <a:extLst>
+              <a:ext uri="{FF2B5EF4-FFF2-40B4-BE49-F238E27FC236}">
+                <a16:creationId xmlns:a16="http://schemas.microsoft.com/office/drawing/2014/main" id="{E2308F48-B0D3-AE91-5941-08B0983DAA89}"/>
               </a:ext>
             </a:extLst>
           </p:cNvPr>
@@ -4351,8 +4359,8 @@
         </p:nvSpPr>
         <p:spPr>
           <a:xfrm>
-            <a:off x="786641" y="673417"/>
-            <a:ext cx="5831633" cy="461665"/>
+            <a:off x="5326551" y="53259"/>
+            <a:ext cx="2068969" cy="830997"/>
           </a:xfrm>
           <a:prstGeom prst="rect">
             <a:avLst/>
@@ -4366,68 +4374,62 @@
           <a:lstStyle/>
           <a:p>
             <a:r>
-              <a:rPr lang="en-US" sz="2400" dirty="0">
+              <a:rPr lang="en-US" sz="4800" dirty="0" err="1">
                 <a:latin typeface="Arial Black" panose="020B0A04020102020204" pitchFamily="34" charset="0"/>
               </a:rPr>
-              <a:t>Why attack the Caravel project?</a:t>
-            </a:r>
-            <a:endParaRPr lang="el-GR" sz="2400" dirty="0">
+              <a:t>P.o.C.</a:t>
+            </a:r>
+            <a:endParaRPr lang="el-GR" sz="4800" dirty="0">
               <a:latin typeface="Arial Black" panose="020B0A04020102020204" pitchFamily="34" charset="0"/>
             </a:endParaRPr>
           </a:p>
         </p:txBody>
       </p:sp>
-      <p:pic>
-        <p:nvPicPr>
-          <p:cNvPr id="10242" name="Picture 2" descr="Maverick-603 - ChipIgnite Status and New Maverick Video">
-            <a:extLst>
-              <a:ext uri="{FF2B5EF4-FFF2-40B4-BE49-F238E27FC236}">
-                <a16:creationId xmlns:a16="http://schemas.microsoft.com/office/drawing/2014/main" id="{2756451B-D0C3-2A08-5B03-BDF56C36A641}"/>
-              </a:ext>
-            </a:extLst>
-          </p:cNvPr>
-          <p:cNvPicPr>
-            <a:picLocks noChangeAspect="1" noChangeArrowheads="1"/>
-          </p:cNvPicPr>
+      <p:sp>
+        <p:nvSpPr>
+          <p:cNvPr id="7" name="TextBox 6">
+            <a:extLst>
+              <a:ext uri="{FF2B5EF4-FFF2-40B4-BE49-F238E27FC236}">
+                <a16:creationId xmlns:a16="http://schemas.microsoft.com/office/drawing/2014/main" id="{12FA1DD5-C1C5-8F1E-0C4A-0B058A309DA7}"/>
+              </a:ext>
+            </a:extLst>
+          </p:cNvPr>
+          <p:cNvSpPr txBox="1"/>
           <p:nvPr/>
-        </p:nvPicPr>
-        <p:blipFill rotWithShape="1">
-          <a:blip r:embed="rId2">
-            <a:extLst>
-              <a:ext uri="{28A0092B-C50C-407E-A947-70E740481C1C}">
-                <a14:useLocalDpi xmlns:a14="http://schemas.microsoft.com/office/drawing/2010/main" val="0"/>
-              </a:ext>
-            </a:extLst>
-          </a:blip>
-          <a:srcRect l="66389" t="7683" r="2194" b="4649"/>
-          <a:stretch/>
-        </p:blipFill>
-        <p:spPr bwMode="auto">
-          <a:xfrm>
-            <a:off x="7655767" y="1401924"/>
-            <a:ext cx="3084762" cy="4054151"/>
+        </p:nvSpPr>
+        <p:spPr>
+          <a:xfrm>
+            <a:off x="848418" y="1161776"/>
+            <a:ext cx="8447982" cy="369332"/>
           </a:xfrm>
           <a:prstGeom prst="rect">
             <a:avLst/>
           </a:prstGeom>
           <a:noFill/>
-          <a:extLst>
-            <a:ext uri="{909E8E84-426E-40DD-AFC4-6F175D3DCCD1}">
-              <a14:hiddenFill xmlns:a14="http://schemas.microsoft.com/office/drawing/2010/main">
-                <a:solidFill>
-                  <a:srgbClr val="FFFFFF"/>
-                </a:solidFill>
-              </a14:hiddenFill>
-            </a:ext>
-          </a:extLst>
-        </p:spPr>
-      </p:pic>
-      <p:sp>
-        <p:nvSpPr>
-          <p:cNvPr id="3" name="TextBox 2">
-            <a:extLst>
-              <a:ext uri="{FF2B5EF4-FFF2-40B4-BE49-F238E27FC236}">
-                <a16:creationId xmlns:a16="http://schemas.microsoft.com/office/drawing/2014/main" id="{AE230A4E-20EA-ED56-A36F-D11C5C4A284D}"/>
+        </p:spPr>
+        <p:txBody>
+          <a:bodyPr wrap="square" rtlCol="0">
+            <a:spAutoFit/>
+          </a:bodyPr>
+          <a:lstStyle/>
+          <a:p>
+            <a:pPr algn="ctr"/>
+            <a:r>
+              <a:rPr lang="en-US" dirty="0">
+                <a:hlinkClick r:id="rId2"/>
+              </a:rPr>
+              <a:t>Prompt : https://chat.openai.com/share/89c53be5-10bf-4ecc-859a-894b3ae967c2</a:t>
+            </a:r>
+            <a:endParaRPr lang="el-GR" dirty="0"/>
+          </a:p>
+        </p:txBody>
+      </p:sp>
+      <p:sp>
+        <p:nvSpPr>
+          <p:cNvPr id="12" name="TextBox 11">
+            <a:extLst>
+              <a:ext uri="{FF2B5EF4-FFF2-40B4-BE49-F238E27FC236}">
+                <a16:creationId xmlns:a16="http://schemas.microsoft.com/office/drawing/2014/main" id="{2EFB3D60-CE82-A974-B9C2-20BE161E7FDC}"/>
               </a:ext>
             </a:extLst>
           </p:cNvPr>
@@ -4436,8 +4438,8 @@
         </p:nvSpPr>
         <p:spPr>
           <a:xfrm>
-            <a:off x="1560443" y="1752600"/>
-            <a:ext cx="6095324" cy="3970318"/>
+            <a:off x="530289" y="756889"/>
+            <a:ext cx="3043334" cy="369332"/>
           </a:xfrm>
           <a:prstGeom prst="rect">
             <a:avLst/>
@@ -4452,84 +4454,18 @@
           <a:p>
             <a:r>
               <a:rPr lang="en-US" dirty="0"/>
-              <a:t>Caravel project:</a:t>
-            </a:r>
-          </a:p>
-          <a:p>
-            <a:endParaRPr lang="en-US" dirty="0"/>
-          </a:p>
-          <a:p>
-            <a:pPr marL="285750" indent="-285750">
-              <a:buFont typeface="Arial" panose="020B0604020202020204" pitchFamily="34" charset="0"/>
-              <a:buChar char="•"/>
-            </a:pPr>
-            <a:r>
-              <a:rPr lang="en-US" dirty="0"/>
-              <a:t>is one of the most influential open-source projects in (open-source) Chip design.</a:t>
-            </a:r>
-          </a:p>
-          <a:p>
-            <a:pPr marL="285750" indent="-285750">
-              <a:buFont typeface="Arial" panose="020B0604020202020204" pitchFamily="34" charset="0"/>
-              <a:buChar char="•"/>
-            </a:pPr>
-            <a:r>
-              <a:rPr lang="en-US" dirty="0"/>
-              <a:t>provides a cost-effective route for ASIC development - it leverages the use of mature and low-cost semiconductor and community-driven development.</a:t>
-            </a:r>
-          </a:p>
-          <a:p>
-            <a:pPr marL="285750" indent="-285750">
-              <a:buFont typeface="Arial" panose="020B0604020202020204" pitchFamily="34" charset="0"/>
-              <a:buChar char="•"/>
-            </a:pPr>
-            <a:r>
-              <a:rPr lang="en-US" dirty="0"/>
-              <a:t>is used substantially in Universities worldwide.</a:t>
-            </a:r>
-          </a:p>
-          <a:p>
-            <a:pPr marL="285750" indent="-285750">
-              <a:buFont typeface="Arial" panose="020B0604020202020204" pitchFamily="34" charset="0"/>
-              <a:buChar char="•"/>
-            </a:pPr>
-            <a:r>
-              <a:rPr lang="en-US" dirty="0"/>
-              <a:t>greatly encourages code reuse, making it easier for designers to integrate existing building blocks and IP cores into their ASIC designs.</a:t>
-            </a:r>
-          </a:p>
-          <a:p>
-            <a:pPr marL="285750" indent="-285750">
-              <a:buFont typeface="Arial" panose="020B0604020202020204" pitchFamily="34" charset="0"/>
-              <a:buChar char="•"/>
-            </a:pPr>
-            <a:r>
-              <a:rPr lang="en-US" dirty="0"/>
-              <a:t>…</a:t>
-            </a:r>
-          </a:p>
-          <a:p>
-            <a:pPr marL="285750" indent="-285750">
-              <a:buFont typeface="Arial" panose="020B0604020202020204" pitchFamily="34" charset="0"/>
-              <a:buChar char="•"/>
-            </a:pPr>
-            <a:endParaRPr lang="en-US" dirty="0"/>
-          </a:p>
-          <a:p>
-            <a:pPr marL="285750" indent="-285750">
-              <a:buFont typeface="Arial" panose="020B0604020202020204" pitchFamily="34" charset="0"/>
-              <a:buChar char="•"/>
-            </a:pPr>
+              <a:t>Classic Wishbone Bus design </a:t>
+            </a:r>
             <a:endParaRPr lang="el-GR" dirty="0"/>
           </a:p>
         </p:txBody>
       </p:sp>
       <p:sp>
         <p:nvSpPr>
-          <p:cNvPr id="4" name="TextBox 3">
-            <a:extLst>
-              <a:ext uri="{FF2B5EF4-FFF2-40B4-BE49-F238E27FC236}">
-                <a16:creationId xmlns:a16="http://schemas.microsoft.com/office/drawing/2014/main" id="{40522EF5-D6A7-CDD1-CA83-2E4FA350554F}"/>
+          <p:cNvPr id="6" name="TextBox 5">
+            <a:extLst>
+              <a:ext uri="{FF2B5EF4-FFF2-40B4-BE49-F238E27FC236}">
+                <a16:creationId xmlns:a16="http://schemas.microsoft.com/office/drawing/2014/main" id="{CB63F937-D3A8-5A2B-F660-C16B970FDAA6}"/>
               </a:ext>
             </a:extLst>
           </p:cNvPr>
@@ -4538,8 +4474,8 @@
         </p:nvSpPr>
         <p:spPr>
           <a:xfrm>
-            <a:off x="3195734" y="5352313"/>
-            <a:ext cx="3741780" cy="584775"/>
+            <a:off x="1114425" y="2035933"/>
+            <a:ext cx="3652838" cy="369332"/>
           </a:xfrm>
           <a:prstGeom prst="rect">
             <a:avLst/>
@@ -4553,20 +4489,133 @@
           <a:lstStyle/>
           <a:p>
             <a:r>
-              <a:rPr lang="en-US" sz="3200" b="1" dirty="0">
-                <a:solidFill>
-                  <a:srgbClr val="FF0000"/>
-                </a:solidFill>
+              <a:rPr lang="en-US" dirty="0"/>
+              <a:t>Simulation: (</a:t>
+            </a:r>
+            <a:r>
+              <a:rPr lang="en-US" dirty="0">
+                <a:hlinkClick r:id="rId3"/>
               </a:rPr>
-              <a:t>HIGHER IMPACT</a:t>
-            </a:r>
-          </a:p>
-        </p:txBody>
-      </p:sp>
+              <a:t>Code and Simulation</a:t>
+            </a:r>
+            <a:r>
+              <a:rPr lang="en-US" dirty="0"/>
+              <a:t>)</a:t>
+            </a:r>
+            <a:endParaRPr lang="el-GR" dirty="0"/>
+          </a:p>
+        </p:txBody>
+      </p:sp>
+      <p:sp>
+        <p:nvSpPr>
+          <p:cNvPr id="10" name="TextBox 9">
+            <a:extLst>
+              <a:ext uri="{FF2B5EF4-FFF2-40B4-BE49-F238E27FC236}">
+                <a16:creationId xmlns:a16="http://schemas.microsoft.com/office/drawing/2014/main" id="{750194F1-3A7A-5780-D870-7200AABC321E}"/>
+              </a:ext>
+            </a:extLst>
+          </p:cNvPr>
+          <p:cNvSpPr txBox="1"/>
+          <p:nvPr/>
+        </p:nvSpPr>
+        <p:spPr>
+          <a:xfrm>
+            <a:off x="1114425" y="4425434"/>
+            <a:ext cx="4572000" cy="369332"/>
+          </a:xfrm>
+          <a:prstGeom prst="rect">
+            <a:avLst/>
+          </a:prstGeom>
+          <a:noFill/>
+        </p:spPr>
+        <p:txBody>
+          <a:bodyPr wrap="square" rtlCol="0">
+            <a:spAutoFit/>
+          </a:bodyPr>
+          <a:lstStyle/>
+          <a:p>
+            <a:r>
+              <a:rPr lang="en-US" dirty="0"/>
+              <a:t>Simulation with Trojan (</a:t>
+            </a:r>
+            <a:r>
+              <a:rPr lang="en-US" dirty="0">
+                <a:hlinkClick r:id="rId4"/>
+              </a:rPr>
+              <a:t>Code and Simulation</a:t>
+            </a:r>
+            <a:r>
+              <a:rPr lang="en-US" dirty="0"/>
+              <a:t>):</a:t>
+            </a:r>
+            <a:endParaRPr lang="el-GR" dirty="0"/>
+          </a:p>
+        </p:txBody>
+      </p:sp>
+      <p:pic>
+        <p:nvPicPr>
+          <p:cNvPr id="14" name="Picture 13">
+            <a:extLst>
+              <a:ext uri="{FF2B5EF4-FFF2-40B4-BE49-F238E27FC236}">
+                <a16:creationId xmlns:a16="http://schemas.microsoft.com/office/drawing/2014/main" id="{FD8507D1-84E1-8808-2AF5-EE80A44EA3BC}"/>
+              </a:ext>
+            </a:extLst>
+          </p:cNvPr>
+          <p:cNvPicPr>
+            <a:picLocks noChangeAspect="1"/>
+          </p:cNvPicPr>
+          <p:nvPr/>
+        </p:nvPicPr>
+        <p:blipFill>
+          <a:blip r:embed="rId5"/>
+          <a:stretch>
+            <a:fillRect/>
+          </a:stretch>
+        </p:blipFill>
+        <p:spPr>
+          <a:xfrm>
+            <a:off x="646035" y="2484315"/>
+            <a:ext cx="11430000" cy="1873373"/>
+          </a:xfrm>
+          <a:prstGeom prst="rect">
+            <a:avLst/>
+          </a:prstGeom>
+        </p:spPr>
+      </p:pic>
+      <p:pic>
+        <p:nvPicPr>
+          <p:cNvPr id="16" name="Picture 15">
+            <a:extLst>
+              <a:ext uri="{FF2B5EF4-FFF2-40B4-BE49-F238E27FC236}">
+                <a16:creationId xmlns:a16="http://schemas.microsoft.com/office/drawing/2014/main" id="{9389A261-614B-7013-D682-5E6D5EB71300}"/>
+              </a:ext>
+            </a:extLst>
+          </p:cNvPr>
+          <p:cNvPicPr>
+            <a:picLocks noChangeAspect="1"/>
+          </p:cNvPicPr>
+          <p:nvPr/>
+        </p:nvPicPr>
+        <p:blipFill>
+          <a:blip r:embed="rId6"/>
+          <a:stretch>
+            <a:fillRect/>
+          </a:stretch>
+        </p:blipFill>
+        <p:spPr>
+          <a:xfrm>
+            <a:off x="646034" y="4862513"/>
+            <a:ext cx="11429999" cy="1582278"/>
+          </a:xfrm>
+          <a:prstGeom prst="rect">
+            <a:avLst/>
+          </a:prstGeom>
+        </p:spPr>
+      </p:pic>
     </p:spTree>
     <p:extLst>
       <p:ext uri="{BB962C8B-B14F-4D97-AF65-F5344CB8AC3E}">
-        <p14:creationId xmlns:p14="http://schemas.microsoft.com/office/powerpoint/2010/main" val="1024644611"/>
+        <p14:creationId xmlns:p14="http://schemas.microsoft.com/office/powerpoint/2010/main" val="224366493"/>
       </p:ext>
     </p:extLst>
   </p:cSld>
@@ -4593,12 +4642,52 @@
           <a:chExt cx="0" cy="0"/>
         </a:xfrm>
       </p:grpSpPr>
+      <p:sp>
+        <p:nvSpPr>
+          <p:cNvPr id="2" name="TextBox 1">
+            <a:extLst>
+              <a:ext uri="{FF2B5EF4-FFF2-40B4-BE49-F238E27FC236}">
+                <a16:creationId xmlns:a16="http://schemas.microsoft.com/office/drawing/2014/main" id="{460B2A20-4D91-3DEA-06FB-25041B66BA70}"/>
+              </a:ext>
+            </a:extLst>
+          </p:cNvPr>
+          <p:cNvSpPr txBox="1"/>
+          <p:nvPr/>
+        </p:nvSpPr>
+        <p:spPr>
+          <a:xfrm>
+            <a:off x="786641" y="673417"/>
+            <a:ext cx="5831633" cy="461665"/>
+          </a:xfrm>
+          <a:prstGeom prst="rect">
+            <a:avLst/>
+          </a:prstGeom>
+          <a:noFill/>
+        </p:spPr>
+        <p:txBody>
+          <a:bodyPr wrap="square" rtlCol="0">
+            <a:spAutoFit/>
+          </a:bodyPr>
+          <a:lstStyle/>
+          <a:p>
+            <a:r>
+              <a:rPr lang="en-US" sz="2400" dirty="0">
+                <a:latin typeface="Arial Black" panose="020B0A04020102020204" pitchFamily="34" charset="0"/>
+              </a:rPr>
+              <a:t>Why attack the Caravel project?</a:t>
+            </a:r>
+            <a:endParaRPr lang="el-GR" sz="2400" dirty="0">
+              <a:latin typeface="Arial Black" panose="020B0A04020102020204" pitchFamily="34" charset="0"/>
+            </a:endParaRPr>
+          </a:p>
+        </p:txBody>
+      </p:sp>
       <p:pic>
         <p:nvPicPr>
-          <p:cNvPr id="8194" name="Picture 2" descr="Caravel Management SoC - Litex — Caravel Management SoC documentation">
-            <a:extLst>
-              <a:ext uri="{FF2B5EF4-FFF2-40B4-BE49-F238E27FC236}">
-                <a16:creationId xmlns:a16="http://schemas.microsoft.com/office/drawing/2014/main" id="{820CA707-A0AE-038B-AD4F-6B7F6CFAF6C2}"/>
+          <p:cNvPr id="10242" name="Picture 2" descr="Maverick-603 - ChipIgnite Status and New Maverick Video">
+            <a:extLst>
+              <a:ext uri="{FF2B5EF4-FFF2-40B4-BE49-F238E27FC236}">
+                <a16:creationId xmlns:a16="http://schemas.microsoft.com/office/drawing/2014/main" id="{2756451B-D0C3-2A08-5B03-BDF56C36A641}"/>
               </a:ext>
             </a:extLst>
           </p:cNvPr>
@@ -4607,7 +4696,7 @@
           </p:cNvPicPr>
           <p:nvPr/>
         </p:nvPicPr>
-        <p:blipFill>
+        <p:blipFill rotWithShape="1">
           <a:blip r:embed="rId2">
             <a:extLst>
               <a:ext uri="{28A0092B-C50C-407E-A947-70E740481C1C}">
@@ -4615,15 +4704,13 @@
               </a:ext>
             </a:extLst>
           </a:blip>
-          <a:srcRect/>
-          <a:stretch>
-            <a:fillRect/>
-          </a:stretch>
+          <a:srcRect l="66389" t="7683" r="2194" b="4649"/>
+          <a:stretch/>
         </p:blipFill>
         <p:spPr bwMode="auto">
           <a:xfrm>
-            <a:off x="5325809" y="478194"/>
-            <a:ext cx="6668693" cy="5770984"/>
+            <a:off x="7655767" y="1401924"/>
+            <a:ext cx="3084762" cy="4054151"/>
           </a:xfrm>
           <a:prstGeom prst="rect">
             <a:avLst/>
@@ -4640,99 +4727,12 @@
           </a:extLst>
         </p:spPr>
       </p:pic>
-      <p:cxnSp>
-        <p:nvCxnSpPr>
-          <p:cNvPr id="5" name="Straight Arrow Connector 4">
-            <a:extLst>
-              <a:ext uri="{FF2B5EF4-FFF2-40B4-BE49-F238E27FC236}">
-                <a16:creationId xmlns:a16="http://schemas.microsoft.com/office/drawing/2014/main" id="{FEC101E4-F676-C47B-B192-98F199DBCF4F}"/>
-              </a:ext>
-            </a:extLst>
-          </p:cNvPr>
-          <p:cNvCxnSpPr>
-            <a:cxnSpLocks/>
-          </p:cNvCxnSpPr>
-          <p:nvPr/>
-        </p:nvCxnSpPr>
-        <p:spPr>
-          <a:xfrm>
-            <a:off x="7576457" y="4152122"/>
-            <a:ext cx="270588" cy="396551"/>
-          </a:xfrm>
-          <a:prstGeom prst="straightConnector1">
-            <a:avLst/>
-          </a:prstGeom>
-          <a:ln w="38100">
-            <a:solidFill>
-              <a:srgbClr val="FF0000"/>
-            </a:solidFill>
-            <a:tailEnd type="triangle"/>
-          </a:ln>
-        </p:spPr>
-        <p:style>
-          <a:lnRef idx="1">
-            <a:schemeClr val="accent2"/>
-          </a:lnRef>
-          <a:fillRef idx="0">
-            <a:schemeClr val="accent2"/>
-          </a:fillRef>
-          <a:effectRef idx="0">
-            <a:schemeClr val="accent2"/>
-          </a:effectRef>
-          <a:fontRef idx="minor">
-            <a:schemeClr val="tx1"/>
-          </a:fontRef>
-        </p:style>
-      </p:cxnSp>
-      <p:pic>
-        <p:nvPicPr>
-          <p:cNvPr id="7" name="Picture 6">
-            <a:extLst>
-              <a:ext uri="{FF2B5EF4-FFF2-40B4-BE49-F238E27FC236}">
-                <a16:creationId xmlns:a16="http://schemas.microsoft.com/office/drawing/2014/main" id="{441E0B61-554A-CFF0-F092-04F8DB843220}"/>
-              </a:ext>
-            </a:extLst>
-          </p:cNvPr>
-          <p:cNvPicPr>
-            <a:picLocks noChangeAspect="1"/>
-          </p:cNvPicPr>
-          <p:nvPr/>
-        </p:nvPicPr>
-        <p:blipFill>
-          <a:blip r:embed="rId3">
-            <a:duotone>
-              <a:schemeClr val="accent2">
-                <a:shade val="45000"/>
-                <a:satMod val="135000"/>
-              </a:schemeClr>
-              <a:prstClr val="white"/>
-            </a:duotone>
-            <a:extLst>
-              <a:ext uri="{28A0092B-C50C-407E-A947-70E740481C1C}">
-                <a14:useLocalDpi xmlns:a14="http://schemas.microsoft.com/office/drawing/2010/main" val="0"/>
-              </a:ext>
-            </a:extLst>
-          </a:blip>
-          <a:stretch>
-            <a:fillRect/>
-          </a:stretch>
-        </p:blipFill>
-        <p:spPr>
-          <a:xfrm flipH="1">
-            <a:off x="7312868" y="3753239"/>
-            <a:ext cx="398883" cy="398883"/>
-          </a:xfrm>
-          <a:prstGeom prst="rect">
-            <a:avLst/>
-          </a:prstGeom>
-        </p:spPr>
-      </p:pic>
-      <p:sp>
-        <p:nvSpPr>
-          <p:cNvPr id="9" name="TextBox 8">
-            <a:extLst>
-              <a:ext uri="{FF2B5EF4-FFF2-40B4-BE49-F238E27FC236}">
-                <a16:creationId xmlns:a16="http://schemas.microsoft.com/office/drawing/2014/main" id="{26EDB7A8-B89C-8B2D-95E4-664D4333450A}"/>
+      <p:sp>
+        <p:nvSpPr>
+          <p:cNvPr id="3" name="TextBox 2">
+            <a:extLst>
+              <a:ext uri="{FF2B5EF4-FFF2-40B4-BE49-F238E27FC236}">
+                <a16:creationId xmlns:a16="http://schemas.microsoft.com/office/drawing/2014/main" id="{AE230A4E-20EA-ED56-A36F-D11C5C4A284D}"/>
               </a:ext>
             </a:extLst>
           </p:cNvPr>
@@ -4741,8 +4741,8 @@
         </p:nvSpPr>
         <p:spPr>
           <a:xfrm>
-            <a:off x="583163" y="937727"/>
-            <a:ext cx="4100804" cy="4524315"/>
+            <a:off x="1560443" y="1752600"/>
+            <a:ext cx="6095324" cy="3970318"/>
           </a:xfrm>
           <a:prstGeom prst="rect">
             <a:avLst/>
@@ -4757,67 +4757,121 @@
           <a:p>
             <a:r>
               <a:rPr lang="en-US" dirty="0"/>
-              <a:t>An alpha version of our malicious code implementation methodology is:</a:t>
+              <a:t>Caravel project:</a:t>
             </a:r>
           </a:p>
           <a:p>
             <a:endParaRPr lang="en-US" dirty="0"/>
           </a:p>
           <a:p>
-            <a:pPr marL="342900" indent="-342900">
-              <a:buFont typeface="+mj-lt"/>
-              <a:buAutoNum type="arabicPeriod"/>
+            <a:pPr marL="285750" indent="-285750">
+              <a:buFont typeface="Arial" panose="020B0604020202020204" pitchFamily="34" charset="0"/>
+              <a:buChar char="•"/>
             </a:pPr>
             <a:r>
               <a:rPr lang="en-US" dirty="0"/>
-              <a:t>We first analyzed the code in the GitHub repository.</a:t>
-            </a:r>
-          </a:p>
-          <a:p>
-            <a:pPr marL="342900" indent="-342900">
-              <a:buFont typeface="+mj-lt"/>
-              <a:buAutoNum type="arabicPeriod"/>
+              <a:t>is one of the most influential open-source projects in (open-source) Chip design.</a:t>
+            </a:r>
+          </a:p>
+          <a:p>
+            <a:pPr marL="285750" indent="-285750">
+              <a:buFont typeface="Arial" panose="020B0604020202020204" pitchFamily="34" charset="0"/>
+              <a:buChar char="•"/>
             </a:pPr>
             <a:r>
               <a:rPr lang="en-US" dirty="0"/>
-              <a:t>Inside the </a:t>
-            </a:r>
-            <a:r>
-              <a:rPr lang="en-US" dirty="0" err="1"/>
-              <a:t>housekeeping.v</a:t>
-            </a:r>
+              <a:t>provides a cost-effective route for ASIC development - it leverages the use of mature and low-cost semiconductor and community-driven development.</a:t>
+            </a:r>
+          </a:p>
+          <a:p>
+            <a:pPr marL="285750" indent="-285750">
+              <a:buFont typeface="Arial" panose="020B0604020202020204" pitchFamily="34" charset="0"/>
+              <a:buChar char="•"/>
+            </a:pPr>
             <a:r>
               <a:rPr lang="en-US" dirty="0"/>
-              <a:t> file the wishbone to SPI to CPU communication is implemented.</a:t>
-            </a:r>
-          </a:p>
-          <a:p>
-            <a:pPr marL="342900" indent="-342900">
-              <a:buFont typeface="+mj-lt"/>
-              <a:buAutoNum type="arabicPeriod"/>
+              <a:t>is used substantially in Universities worldwide.</a:t>
+            </a:r>
+          </a:p>
+          <a:p>
+            <a:pPr marL="285750" indent="-285750">
+              <a:buFont typeface="Arial" panose="020B0604020202020204" pitchFamily="34" charset="0"/>
+              <a:buChar char="•"/>
             </a:pPr>
             <a:r>
               <a:rPr lang="en-US" dirty="0"/>
-              <a:t>We can alter the wishbone FSM implementation by adding a stage where if a certain value is transmitted in the bus then an internal signal gets stuck at “0” </a:t>
-            </a:r>
-          </a:p>
-          <a:p>
-            <a:pPr marL="342900" indent="-342900">
-              <a:buFont typeface="+mj-lt"/>
-              <a:buAutoNum type="arabicPeriod"/>
+              <a:t>greatly encourages code reuse, making it easier for designers to integrate existing building blocks and IP cores into their ASIC designs.</a:t>
+            </a:r>
+          </a:p>
+          <a:p>
+            <a:pPr marL="285750" indent="-285750">
+              <a:buFont typeface="Arial" panose="020B0604020202020204" pitchFamily="34" charset="0"/>
+              <a:buChar char="•"/>
             </a:pPr>
             <a:r>
               <a:rPr lang="en-US" dirty="0"/>
-              <a:t>This way we are glitching the handshake method causing a Denial Of Service.</a:t>
-            </a:r>
+              <a:t>…</a:t>
+            </a:r>
+          </a:p>
+          <a:p>
+            <a:pPr marL="285750" indent="-285750">
+              <a:buFont typeface="Arial" panose="020B0604020202020204" pitchFamily="34" charset="0"/>
+              <a:buChar char="•"/>
+            </a:pPr>
+            <a:endParaRPr lang="en-US" dirty="0"/>
+          </a:p>
+          <a:p>
+            <a:pPr marL="285750" indent="-285750">
+              <a:buFont typeface="Arial" panose="020B0604020202020204" pitchFamily="34" charset="0"/>
+              <a:buChar char="•"/>
+            </a:pPr>
             <a:endParaRPr lang="el-GR" dirty="0"/>
+          </a:p>
+        </p:txBody>
+      </p:sp>
+      <p:sp>
+        <p:nvSpPr>
+          <p:cNvPr id="4" name="TextBox 3">
+            <a:extLst>
+              <a:ext uri="{FF2B5EF4-FFF2-40B4-BE49-F238E27FC236}">
+                <a16:creationId xmlns:a16="http://schemas.microsoft.com/office/drawing/2014/main" id="{40522EF5-D6A7-CDD1-CA83-2E4FA350554F}"/>
+              </a:ext>
+            </a:extLst>
+          </p:cNvPr>
+          <p:cNvSpPr txBox="1"/>
+          <p:nvPr/>
+        </p:nvSpPr>
+        <p:spPr>
+          <a:xfrm>
+            <a:off x="3195734" y="5352313"/>
+            <a:ext cx="3741780" cy="584775"/>
+          </a:xfrm>
+          <a:prstGeom prst="rect">
+            <a:avLst/>
+          </a:prstGeom>
+          <a:noFill/>
+        </p:spPr>
+        <p:txBody>
+          <a:bodyPr wrap="square" rtlCol="0">
+            <a:spAutoFit/>
+          </a:bodyPr>
+          <a:lstStyle/>
+          <a:p>
+            <a:r>
+              <a:rPr lang="en-US" sz="3200" b="1" dirty="0">
+                <a:solidFill>
+                  <a:srgbClr val="FF0000"/>
+                </a:solidFill>
+              </a:rPr>
+              <a:t>HIGHER IMPACT</a:t>
+            </a:r>
           </a:p>
         </p:txBody>
       </p:sp>
     </p:spTree>
     <p:extLst>
       <p:ext uri="{BB962C8B-B14F-4D97-AF65-F5344CB8AC3E}">
-        <p14:creationId xmlns:p14="http://schemas.microsoft.com/office/powerpoint/2010/main" val="789329576"/>
+        <p14:creationId xmlns:p14="http://schemas.microsoft.com/office/powerpoint/2010/main" val="1024644611"/>
       </p:ext>
     </p:extLst>
   </p:cSld>
@@ -4844,6 +4898,257 @@
           <a:chExt cx="0" cy="0"/>
         </a:xfrm>
       </p:grpSpPr>
+      <p:pic>
+        <p:nvPicPr>
+          <p:cNvPr id="8194" name="Picture 2" descr="Caravel Management SoC - Litex — Caravel Management SoC documentation">
+            <a:extLst>
+              <a:ext uri="{FF2B5EF4-FFF2-40B4-BE49-F238E27FC236}">
+                <a16:creationId xmlns:a16="http://schemas.microsoft.com/office/drawing/2014/main" id="{820CA707-A0AE-038B-AD4F-6B7F6CFAF6C2}"/>
+              </a:ext>
+            </a:extLst>
+          </p:cNvPr>
+          <p:cNvPicPr>
+            <a:picLocks noChangeAspect="1" noChangeArrowheads="1"/>
+          </p:cNvPicPr>
+          <p:nvPr/>
+        </p:nvPicPr>
+        <p:blipFill>
+          <a:blip r:embed="rId2">
+            <a:extLst>
+              <a:ext uri="{28A0092B-C50C-407E-A947-70E740481C1C}">
+                <a14:useLocalDpi xmlns:a14="http://schemas.microsoft.com/office/drawing/2010/main" val="0"/>
+              </a:ext>
+            </a:extLst>
+          </a:blip>
+          <a:srcRect/>
+          <a:stretch>
+            <a:fillRect/>
+          </a:stretch>
+        </p:blipFill>
+        <p:spPr bwMode="auto">
+          <a:xfrm>
+            <a:off x="5325809" y="478194"/>
+            <a:ext cx="6668693" cy="5770984"/>
+          </a:xfrm>
+          <a:prstGeom prst="rect">
+            <a:avLst/>
+          </a:prstGeom>
+          <a:noFill/>
+          <a:extLst>
+            <a:ext uri="{909E8E84-426E-40DD-AFC4-6F175D3DCCD1}">
+              <a14:hiddenFill xmlns:a14="http://schemas.microsoft.com/office/drawing/2010/main">
+                <a:solidFill>
+                  <a:srgbClr val="FFFFFF"/>
+                </a:solidFill>
+              </a14:hiddenFill>
+            </a:ext>
+          </a:extLst>
+        </p:spPr>
+      </p:pic>
+      <p:cxnSp>
+        <p:nvCxnSpPr>
+          <p:cNvPr id="5" name="Straight Arrow Connector 4">
+            <a:extLst>
+              <a:ext uri="{FF2B5EF4-FFF2-40B4-BE49-F238E27FC236}">
+                <a16:creationId xmlns:a16="http://schemas.microsoft.com/office/drawing/2014/main" id="{FEC101E4-F676-C47B-B192-98F199DBCF4F}"/>
+              </a:ext>
+            </a:extLst>
+          </p:cNvPr>
+          <p:cNvCxnSpPr>
+            <a:cxnSpLocks/>
+          </p:cNvCxnSpPr>
+          <p:nvPr/>
+        </p:nvCxnSpPr>
+        <p:spPr>
+          <a:xfrm>
+            <a:off x="7576457" y="4152122"/>
+            <a:ext cx="270588" cy="396551"/>
+          </a:xfrm>
+          <a:prstGeom prst="straightConnector1">
+            <a:avLst/>
+          </a:prstGeom>
+          <a:ln w="38100">
+            <a:solidFill>
+              <a:srgbClr val="FF0000"/>
+            </a:solidFill>
+            <a:tailEnd type="triangle"/>
+          </a:ln>
+        </p:spPr>
+        <p:style>
+          <a:lnRef idx="1">
+            <a:schemeClr val="accent2"/>
+          </a:lnRef>
+          <a:fillRef idx="0">
+            <a:schemeClr val="accent2"/>
+          </a:fillRef>
+          <a:effectRef idx="0">
+            <a:schemeClr val="accent2"/>
+          </a:effectRef>
+          <a:fontRef idx="minor">
+            <a:schemeClr val="tx1"/>
+          </a:fontRef>
+        </p:style>
+      </p:cxnSp>
+      <p:pic>
+        <p:nvPicPr>
+          <p:cNvPr id="7" name="Picture 6">
+            <a:extLst>
+              <a:ext uri="{FF2B5EF4-FFF2-40B4-BE49-F238E27FC236}">
+                <a16:creationId xmlns:a16="http://schemas.microsoft.com/office/drawing/2014/main" id="{441E0B61-554A-CFF0-F092-04F8DB843220}"/>
+              </a:ext>
+            </a:extLst>
+          </p:cNvPr>
+          <p:cNvPicPr>
+            <a:picLocks noChangeAspect="1"/>
+          </p:cNvPicPr>
+          <p:nvPr/>
+        </p:nvPicPr>
+        <p:blipFill>
+          <a:blip r:embed="rId3">
+            <a:duotone>
+              <a:schemeClr val="accent2">
+                <a:shade val="45000"/>
+                <a:satMod val="135000"/>
+              </a:schemeClr>
+              <a:prstClr val="white"/>
+            </a:duotone>
+            <a:extLst>
+              <a:ext uri="{28A0092B-C50C-407E-A947-70E740481C1C}">
+                <a14:useLocalDpi xmlns:a14="http://schemas.microsoft.com/office/drawing/2010/main" val="0"/>
+              </a:ext>
+            </a:extLst>
+          </a:blip>
+          <a:stretch>
+            <a:fillRect/>
+          </a:stretch>
+        </p:blipFill>
+        <p:spPr>
+          <a:xfrm flipH="1">
+            <a:off x="7312868" y="3753239"/>
+            <a:ext cx="398883" cy="398883"/>
+          </a:xfrm>
+          <a:prstGeom prst="rect">
+            <a:avLst/>
+          </a:prstGeom>
+        </p:spPr>
+      </p:pic>
+      <p:sp>
+        <p:nvSpPr>
+          <p:cNvPr id="9" name="TextBox 8">
+            <a:extLst>
+              <a:ext uri="{FF2B5EF4-FFF2-40B4-BE49-F238E27FC236}">
+                <a16:creationId xmlns:a16="http://schemas.microsoft.com/office/drawing/2014/main" id="{26EDB7A8-B89C-8B2D-95E4-664D4333450A}"/>
+              </a:ext>
+            </a:extLst>
+          </p:cNvPr>
+          <p:cNvSpPr txBox="1"/>
+          <p:nvPr/>
+        </p:nvSpPr>
+        <p:spPr>
+          <a:xfrm>
+            <a:off x="583163" y="937727"/>
+            <a:ext cx="4100804" cy="4524315"/>
+          </a:xfrm>
+          <a:prstGeom prst="rect">
+            <a:avLst/>
+          </a:prstGeom>
+          <a:noFill/>
+        </p:spPr>
+        <p:txBody>
+          <a:bodyPr wrap="square" rtlCol="0">
+            <a:spAutoFit/>
+          </a:bodyPr>
+          <a:lstStyle/>
+          <a:p>
+            <a:r>
+              <a:rPr lang="en-US" dirty="0"/>
+              <a:t>An alpha version of our malicious code implementation methodology is:</a:t>
+            </a:r>
+          </a:p>
+          <a:p>
+            <a:endParaRPr lang="en-US" dirty="0"/>
+          </a:p>
+          <a:p>
+            <a:pPr marL="342900" indent="-342900">
+              <a:buFont typeface="+mj-lt"/>
+              <a:buAutoNum type="arabicPeriod"/>
+            </a:pPr>
+            <a:r>
+              <a:rPr lang="en-US" dirty="0"/>
+              <a:t>We first analyzed the code in the GitHub repository.</a:t>
+            </a:r>
+          </a:p>
+          <a:p>
+            <a:pPr marL="342900" indent="-342900">
+              <a:buFont typeface="+mj-lt"/>
+              <a:buAutoNum type="arabicPeriod"/>
+            </a:pPr>
+            <a:r>
+              <a:rPr lang="en-US" dirty="0"/>
+              <a:t>Inside the </a:t>
+            </a:r>
+            <a:r>
+              <a:rPr lang="en-US" dirty="0" err="1"/>
+              <a:t>housekeeping.v</a:t>
+            </a:r>
+            <a:r>
+              <a:rPr lang="en-US" dirty="0"/>
+              <a:t> file the wishbone to SPI to CPU communication is implemented.</a:t>
+            </a:r>
+          </a:p>
+          <a:p>
+            <a:pPr marL="342900" indent="-342900">
+              <a:buFont typeface="+mj-lt"/>
+              <a:buAutoNum type="arabicPeriod"/>
+            </a:pPr>
+            <a:r>
+              <a:rPr lang="en-US" dirty="0"/>
+              <a:t>We can alter the wishbone FSM implementation by adding a stage where if a certain value is transmitted in the bus then an internal signal gets stuck at “0” </a:t>
+            </a:r>
+          </a:p>
+          <a:p>
+            <a:pPr marL="342900" indent="-342900">
+              <a:buFont typeface="+mj-lt"/>
+              <a:buAutoNum type="arabicPeriod"/>
+            </a:pPr>
+            <a:r>
+              <a:rPr lang="en-US" dirty="0"/>
+              <a:t>This way we are glitching the handshake method causing a Denial Of Service.</a:t>
+            </a:r>
+            <a:endParaRPr lang="el-GR" dirty="0"/>
+          </a:p>
+        </p:txBody>
+      </p:sp>
+    </p:spTree>
+    <p:extLst>
+      <p:ext uri="{BB962C8B-B14F-4D97-AF65-F5344CB8AC3E}">
+        <p14:creationId xmlns:p14="http://schemas.microsoft.com/office/powerpoint/2010/main" val="789329576"/>
+      </p:ext>
+    </p:extLst>
+  </p:cSld>
+  <p:clrMapOvr>
+    <a:masterClrMapping/>
+  </p:clrMapOvr>
+</p:sld>
+</file>
+
+<file path=ppt/slides/slide15.xml><?xml version="1.0" encoding="utf-8"?>
+<p:sld xmlns:a="http://schemas.openxmlformats.org/drawingml/2006/main" xmlns:r="http://schemas.openxmlformats.org/officeDocument/2006/relationships" xmlns:p="http://schemas.openxmlformats.org/presentationml/2006/main">
+  <p:cSld>
+    <p:spTree>
+      <p:nvGrpSpPr>
+        <p:cNvPr id="1" name=""/>
+        <p:cNvGrpSpPr/>
+        <p:nvPr/>
+      </p:nvGrpSpPr>
+      <p:grpSpPr>
+        <a:xfrm>
+          <a:off x="0" y="0"/>
+          <a:ext cx="0" cy="0"/>
+          <a:chOff x="0" y="0"/>
+          <a:chExt cx="0" cy="0"/>
+        </a:xfrm>
+      </p:grpSpPr>
       <p:sp>
         <p:nvSpPr>
           <p:cNvPr id="2" name="TextBox 1">
@@ -5093,7 +5398,7 @@
 </p:sld>
 </file>
 
-<file path=ppt/slides/slide15.xml><?xml version="1.0" encoding="utf-8"?>
+<file path=ppt/slides/slide16.xml><?xml version="1.0" encoding="utf-8"?>
 <p:sld xmlns:a="http://schemas.openxmlformats.org/drawingml/2006/main" xmlns:r="http://schemas.openxmlformats.org/officeDocument/2006/relationships" xmlns:p="http://schemas.openxmlformats.org/presentationml/2006/main">
   <p:cSld>
     <p:spTree>
@@ -5452,215 +5757,6 @@
 </p:sld>
 </file>
 
-<file path=ppt/slides/slide16.xml><?xml version="1.0" encoding="utf-8"?>
-<p:sld xmlns:a="http://schemas.openxmlformats.org/drawingml/2006/main" xmlns:r="http://schemas.openxmlformats.org/officeDocument/2006/relationships" xmlns:p="http://schemas.openxmlformats.org/presentationml/2006/main">
-  <p:cSld>
-    <p:spTree>
-      <p:nvGrpSpPr>
-        <p:cNvPr id="1" name=""/>
-        <p:cNvGrpSpPr/>
-        <p:nvPr/>
-      </p:nvGrpSpPr>
-      <p:grpSpPr>
-        <a:xfrm>
-          <a:off x="0" y="0"/>
-          <a:ext cx="0" cy="0"/>
-          <a:chOff x="0" y="0"/>
-          <a:chExt cx="0" cy="0"/>
-        </a:xfrm>
-      </p:grpSpPr>
-      <p:sp>
-        <p:nvSpPr>
-          <p:cNvPr id="4" name="TextBox 3">
-            <a:extLst>
-              <a:ext uri="{FF2B5EF4-FFF2-40B4-BE49-F238E27FC236}">
-                <a16:creationId xmlns:a16="http://schemas.microsoft.com/office/drawing/2014/main" id="{D2DD5275-256A-0E3B-37C5-D82D8BB5C6D3}"/>
-              </a:ext>
-            </a:extLst>
-          </p:cNvPr>
-          <p:cNvSpPr txBox="1"/>
-          <p:nvPr/>
-        </p:nvSpPr>
-        <p:spPr>
-          <a:xfrm>
-            <a:off x="766763" y="466043"/>
-            <a:ext cx="5831633" cy="461665"/>
-          </a:xfrm>
-          <a:prstGeom prst="rect">
-            <a:avLst/>
-          </a:prstGeom>
-          <a:noFill/>
-        </p:spPr>
-        <p:txBody>
-          <a:bodyPr wrap="square" rtlCol="0">
-            <a:spAutoFit/>
-          </a:bodyPr>
-          <a:lstStyle/>
-          <a:p>
-            <a:r>
-              <a:rPr lang="en-US" sz="2400" dirty="0">
-                <a:latin typeface="Arial Black" panose="020B0A04020102020204" pitchFamily="34" charset="0"/>
-              </a:rPr>
-              <a:t>Why attack AES?</a:t>
-            </a:r>
-            <a:endParaRPr lang="el-GR" sz="2400" dirty="0">
-              <a:latin typeface="Arial Black" panose="020B0A04020102020204" pitchFamily="34" charset="0"/>
-            </a:endParaRPr>
-          </a:p>
-        </p:txBody>
-      </p:sp>
-      <p:sp>
-        <p:nvSpPr>
-          <p:cNvPr id="5" name="TextBox 4">
-            <a:extLst>
-              <a:ext uri="{FF2B5EF4-FFF2-40B4-BE49-F238E27FC236}">
-                <a16:creationId xmlns:a16="http://schemas.microsoft.com/office/drawing/2014/main" id="{A70E2461-D893-2023-C920-E90D61F8B387}"/>
-              </a:ext>
-            </a:extLst>
-          </p:cNvPr>
-          <p:cNvSpPr txBox="1"/>
-          <p:nvPr/>
-        </p:nvSpPr>
-        <p:spPr>
-          <a:xfrm>
-            <a:off x="1798983" y="1789922"/>
-            <a:ext cx="5094622" cy="3139321"/>
-          </a:xfrm>
-          <a:prstGeom prst="rect">
-            <a:avLst/>
-          </a:prstGeom>
-          <a:noFill/>
-        </p:spPr>
-        <p:txBody>
-          <a:bodyPr wrap="square" rtlCol="0">
-            <a:spAutoFit/>
-          </a:bodyPr>
-          <a:lstStyle/>
-          <a:p>
-            <a:r>
-              <a:rPr lang="en-US" dirty="0"/>
-              <a:t>AES is :</a:t>
-            </a:r>
-          </a:p>
-          <a:p>
-            <a:endParaRPr lang="en-US" dirty="0"/>
-          </a:p>
-          <a:p>
-            <a:pPr marL="285750" indent="-285750">
-              <a:buFont typeface="Arial" panose="020B0604020202020204" pitchFamily="34" charset="0"/>
-              <a:buChar char="•"/>
-            </a:pPr>
-            <a:r>
-              <a:rPr lang="en-US" dirty="0"/>
-              <a:t>One of the most popular encryption standards.</a:t>
-            </a:r>
-          </a:p>
-          <a:p>
-            <a:pPr marL="285750" indent="-285750">
-              <a:buFont typeface="Arial" panose="020B0604020202020204" pitchFamily="34" charset="0"/>
-              <a:buChar char="•"/>
-            </a:pPr>
-            <a:r>
-              <a:rPr lang="en-US" dirty="0"/>
-              <a:t>Used broadly all over the world.</a:t>
-            </a:r>
-          </a:p>
-          <a:p>
-            <a:pPr marL="285750" indent="-285750">
-              <a:buFont typeface="Arial" panose="020B0604020202020204" pitchFamily="34" charset="0"/>
-              <a:buChar char="•"/>
-            </a:pPr>
-            <a:r>
-              <a:rPr lang="en-US" dirty="0"/>
-              <a:t>Is globally standardized, regulated and incompliance with governments, individuals and enterprises.</a:t>
-            </a:r>
-          </a:p>
-          <a:p>
-            <a:pPr marL="285750" indent="-285750">
-              <a:buFont typeface="Arial" panose="020B0604020202020204" pitchFamily="34" charset="0"/>
-              <a:buChar char="•"/>
-            </a:pPr>
-            <a:r>
-              <a:rPr lang="en-US" dirty="0"/>
-              <a:t>Is efficient in terms of processing power and memory usage so it is used everywhere.</a:t>
-            </a:r>
-          </a:p>
-          <a:p>
-            <a:pPr marL="285750" indent="-285750">
-              <a:buFont typeface="Arial" panose="020B0604020202020204" pitchFamily="34" charset="0"/>
-              <a:buChar char="•"/>
-            </a:pPr>
-            <a:endParaRPr lang="en-US" dirty="0"/>
-          </a:p>
-          <a:p>
-            <a:pPr marL="285750" indent="-285750">
-              <a:buFont typeface="Arial" panose="020B0604020202020204" pitchFamily="34" charset="0"/>
-              <a:buChar char="•"/>
-            </a:pPr>
-            <a:endParaRPr lang="el-GR" dirty="0"/>
-          </a:p>
-        </p:txBody>
-      </p:sp>
-      <p:pic>
-        <p:nvPicPr>
-          <p:cNvPr id="1026" name="Picture 2" descr="What is Advanced Encryption Standard (AES)? Definition, Encrption,  Decryption, Advantages and Disadvantages - Binary Terms">
-            <a:extLst>
-              <a:ext uri="{FF2B5EF4-FFF2-40B4-BE49-F238E27FC236}">
-                <a16:creationId xmlns:a16="http://schemas.microsoft.com/office/drawing/2014/main" id="{4216DE81-B276-3417-D499-8AE3E6086B5C}"/>
-              </a:ext>
-            </a:extLst>
-          </p:cNvPr>
-          <p:cNvPicPr>
-            <a:picLocks noChangeAspect="1" noChangeArrowheads="1"/>
-          </p:cNvPicPr>
-          <p:nvPr/>
-        </p:nvPicPr>
-        <p:blipFill>
-          <a:blip r:embed="rId2">
-            <a:extLst>
-              <a:ext uri="{28A0092B-C50C-407E-A947-70E740481C1C}">
-                <a14:useLocalDpi xmlns:a14="http://schemas.microsoft.com/office/drawing/2010/main" val="0"/>
-              </a:ext>
-            </a:extLst>
-          </a:blip>
-          <a:srcRect/>
-          <a:stretch>
-            <a:fillRect/>
-          </a:stretch>
-        </p:blipFill>
-        <p:spPr bwMode="auto">
-          <a:xfrm>
-            <a:off x="7188813" y="696875"/>
-            <a:ext cx="2724347" cy="5421086"/>
-          </a:xfrm>
-          <a:prstGeom prst="rect">
-            <a:avLst/>
-          </a:prstGeom>
-          <a:noFill/>
-          <a:extLst>
-            <a:ext uri="{909E8E84-426E-40DD-AFC4-6F175D3DCCD1}">
-              <a14:hiddenFill xmlns:a14="http://schemas.microsoft.com/office/drawing/2010/main">
-                <a:solidFill>
-                  <a:srgbClr val="FFFFFF"/>
-                </a:solidFill>
-              </a14:hiddenFill>
-            </a:ext>
-          </a:extLst>
-        </p:spPr>
-      </p:pic>
-    </p:spTree>
-    <p:extLst>
-      <p:ext uri="{BB962C8B-B14F-4D97-AF65-F5344CB8AC3E}">
-        <p14:creationId xmlns:p14="http://schemas.microsoft.com/office/powerpoint/2010/main" val="4050734263"/>
-      </p:ext>
-    </p:extLst>
-  </p:cSld>
-  <p:clrMapOvr>
-    <a:masterClrMapping/>
-  </p:clrMapOvr>
-</p:sld>
-</file>
-
 <file path=ppt/slides/slide17.xml><?xml version="1.0" encoding="utf-8"?>
 <p:sld xmlns:a="http://schemas.openxmlformats.org/drawingml/2006/main" xmlns:r="http://schemas.openxmlformats.org/officeDocument/2006/relationships" xmlns:p="http://schemas.openxmlformats.org/presentationml/2006/main">
   <p:cSld>
@@ -5680,6 +5776,215 @@
       </p:grpSpPr>
       <p:sp>
         <p:nvSpPr>
+          <p:cNvPr id="4" name="TextBox 3">
+            <a:extLst>
+              <a:ext uri="{FF2B5EF4-FFF2-40B4-BE49-F238E27FC236}">
+                <a16:creationId xmlns:a16="http://schemas.microsoft.com/office/drawing/2014/main" id="{D2DD5275-256A-0E3B-37C5-D82D8BB5C6D3}"/>
+              </a:ext>
+            </a:extLst>
+          </p:cNvPr>
+          <p:cNvSpPr txBox="1"/>
+          <p:nvPr/>
+        </p:nvSpPr>
+        <p:spPr>
+          <a:xfrm>
+            <a:off x="766763" y="466043"/>
+            <a:ext cx="5831633" cy="461665"/>
+          </a:xfrm>
+          <a:prstGeom prst="rect">
+            <a:avLst/>
+          </a:prstGeom>
+          <a:noFill/>
+        </p:spPr>
+        <p:txBody>
+          <a:bodyPr wrap="square" rtlCol="0">
+            <a:spAutoFit/>
+          </a:bodyPr>
+          <a:lstStyle/>
+          <a:p>
+            <a:r>
+              <a:rPr lang="en-US" sz="2400" dirty="0">
+                <a:latin typeface="Arial Black" panose="020B0A04020102020204" pitchFamily="34" charset="0"/>
+              </a:rPr>
+              <a:t>Why attack AES?</a:t>
+            </a:r>
+            <a:endParaRPr lang="el-GR" sz="2400" dirty="0">
+              <a:latin typeface="Arial Black" panose="020B0A04020102020204" pitchFamily="34" charset="0"/>
+            </a:endParaRPr>
+          </a:p>
+        </p:txBody>
+      </p:sp>
+      <p:sp>
+        <p:nvSpPr>
+          <p:cNvPr id="5" name="TextBox 4">
+            <a:extLst>
+              <a:ext uri="{FF2B5EF4-FFF2-40B4-BE49-F238E27FC236}">
+                <a16:creationId xmlns:a16="http://schemas.microsoft.com/office/drawing/2014/main" id="{A70E2461-D893-2023-C920-E90D61F8B387}"/>
+              </a:ext>
+            </a:extLst>
+          </p:cNvPr>
+          <p:cNvSpPr txBox="1"/>
+          <p:nvPr/>
+        </p:nvSpPr>
+        <p:spPr>
+          <a:xfrm>
+            <a:off x="1798983" y="1789922"/>
+            <a:ext cx="5094622" cy="3139321"/>
+          </a:xfrm>
+          <a:prstGeom prst="rect">
+            <a:avLst/>
+          </a:prstGeom>
+          <a:noFill/>
+        </p:spPr>
+        <p:txBody>
+          <a:bodyPr wrap="square" rtlCol="0">
+            <a:spAutoFit/>
+          </a:bodyPr>
+          <a:lstStyle/>
+          <a:p>
+            <a:r>
+              <a:rPr lang="en-US" dirty="0"/>
+              <a:t>AES is :</a:t>
+            </a:r>
+          </a:p>
+          <a:p>
+            <a:endParaRPr lang="en-US" dirty="0"/>
+          </a:p>
+          <a:p>
+            <a:pPr marL="285750" indent="-285750">
+              <a:buFont typeface="Arial" panose="020B0604020202020204" pitchFamily="34" charset="0"/>
+              <a:buChar char="•"/>
+            </a:pPr>
+            <a:r>
+              <a:rPr lang="en-US" dirty="0"/>
+              <a:t>One of the most popular encryption standards.</a:t>
+            </a:r>
+          </a:p>
+          <a:p>
+            <a:pPr marL="285750" indent="-285750">
+              <a:buFont typeface="Arial" panose="020B0604020202020204" pitchFamily="34" charset="0"/>
+              <a:buChar char="•"/>
+            </a:pPr>
+            <a:r>
+              <a:rPr lang="en-US" dirty="0"/>
+              <a:t>Used broadly all over the world.</a:t>
+            </a:r>
+          </a:p>
+          <a:p>
+            <a:pPr marL="285750" indent="-285750">
+              <a:buFont typeface="Arial" panose="020B0604020202020204" pitchFamily="34" charset="0"/>
+              <a:buChar char="•"/>
+            </a:pPr>
+            <a:r>
+              <a:rPr lang="en-US" dirty="0"/>
+              <a:t>Is globally standardized, regulated and incompliance with governments, individuals and enterprises.</a:t>
+            </a:r>
+          </a:p>
+          <a:p>
+            <a:pPr marL="285750" indent="-285750">
+              <a:buFont typeface="Arial" panose="020B0604020202020204" pitchFamily="34" charset="0"/>
+              <a:buChar char="•"/>
+            </a:pPr>
+            <a:r>
+              <a:rPr lang="en-US" dirty="0"/>
+              <a:t>Is efficient in terms of processing power and memory usage so it is used everywhere.</a:t>
+            </a:r>
+          </a:p>
+          <a:p>
+            <a:pPr marL="285750" indent="-285750">
+              <a:buFont typeface="Arial" panose="020B0604020202020204" pitchFamily="34" charset="0"/>
+              <a:buChar char="•"/>
+            </a:pPr>
+            <a:endParaRPr lang="en-US" dirty="0"/>
+          </a:p>
+          <a:p>
+            <a:pPr marL="285750" indent="-285750">
+              <a:buFont typeface="Arial" panose="020B0604020202020204" pitchFamily="34" charset="0"/>
+              <a:buChar char="•"/>
+            </a:pPr>
+            <a:endParaRPr lang="el-GR" dirty="0"/>
+          </a:p>
+        </p:txBody>
+      </p:sp>
+      <p:pic>
+        <p:nvPicPr>
+          <p:cNvPr id="1026" name="Picture 2" descr="What is Advanced Encryption Standard (AES)? Definition, Encrption,  Decryption, Advantages and Disadvantages - Binary Terms">
+            <a:extLst>
+              <a:ext uri="{FF2B5EF4-FFF2-40B4-BE49-F238E27FC236}">
+                <a16:creationId xmlns:a16="http://schemas.microsoft.com/office/drawing/2014/main" id="{4216DE81-B276-3417-D499-8AE3E6086B5C}"/>
+              </a:ext>
+            </a:extLst>
+          </p:cNvPr>
+          <p:cNvPicPr>
+            <a:picLocks noChangeAspect="1" noChangeArrowheads="1"/>
+          </p:cNvPicPr>
+          <p:nvPr/>
+        </p:nvPicPr>
+        <p:blipFill>
+          <a:blip r:embed="rId2">
+            <a:extLst>
+              <a:ext uri="{28A0092B-C50C-407E-A947-70E740481C1C}">
+                <a14:useLocalDpi xmlns:a14="http://schemas.microsoft.com/office/drawing/2010/main" val="0"/>
+              </a:ext>
+            </a:extLst>
+          </a:blip>
+          <a:srcRect/>
+          <a:stretch>
+            <a:fillRect/>
+          </a:stretch>
+        </p:blipFill>
+        <p:spPr bwMode="auto">
+          <a:xfrm>
+            <a:off x="7188813" y="696875"/>
+            <a:ext cx="2724347" cy="5421086"/>
+          </a:xfrm>
+          <a:prstGeom prst="rect">
+            <a:avLst/>
+          </a:prstGeom>
+          <a:noFill/>
+          <a:extLst>
+            <a:ext uri="{909E8E84-426E-40DD-AFC4-6F175D3DCCD1}">
+              <a14:hiddenFill xmlns:a14="http://schemas.microsoft.com/office/drawing/2010/main">
+                <a:solidFill>
+                  <a:srgbClr val="FFFFFF"/>
+                </a:solidFill>
+              </a14:hiddenFill>
+            </a:ext>
+          </a:extLst>
+        </p:spPr>
+      </p:pic>
+    </p:spTree>
+    <p:extLst>
+      <p:ext uri="{BB962C8B-B14F-4D97-AF65-F5344CB8AC3E}">
+        <p14:creationId xmlns:p14="http://schemas.microsoft.com/office/powerpoint/2010/main" val="4050734263"/>
+      </p:ext>
+    </p:extLst>
+  </p:cSld>
+  <p:clrMapOvr>
+    <a:masterClrMapping/>
+  </p:clrMapOvr>
+</p:sld>
+</file>
+
+<file path=ppt/slides/slide18.xml><?xml version="1.0" encoding="utf-8"?>
+<p:sld xmlns:a="http://schemas.openxmlformats.org/drawingml/2006/main" xmlns:r="http://schemas.openxmlformats.org/officeDocument/2006/relationships" xmlns:p="http://schemas.openxmlformats.org/presentationml/2006/main">
+  <p:cSld>
+    <p:spTree>
+      <p:nvGrpSpPr>
+        <p:cNvPr id="1" name=""/>
+        <p:cNvGrpSpPr/>
+        <p:nvPr/>
+      </p:nvGrpSpPr>
+      <p:grpSpPr>
+        <a:xfrm>
+          <a:off x="0" y="0"/>
+          <a:ext cx="0" cy="0"/>
+          <a:chOff x="0" y="0"/>
+          <a:chExt cx="0" cy="0"/>
+        </a:xfrm>
+      </p:grpSpPr>
+      <p:sp>
+        <p:nvSpPr>
           <p:cNvPr id="9" name="TextBox 8">
             <a:extLst>
               <a:ext uri="{FF2B5EF4-FFF2-40B4-BE49-F238E27FC236}">
@@ -5837,7 +6142,7 @@
 </p:sld>
 </file>
 
-<file path=ppt/slides/slide18.xml><?xml version="1.0" encoding="utf-8"?>
+<file path=ppt/slides/slide19.xml><?xml version="1.0" encoding="utf-8"?>
 <p:sld xmlns:a="http://schemas.openxmlformats.org/drawingml/2006/main" xmlns:r="http://schemas.openxmlformats.org/officeDocument/2006/relationships" xmlns:p="http://schemas.openxmlformats.org/presentationml/2006/main">
   <p:cSld>
     <p:spTree>

--- a/presentation/CSAW_2023_second_stage .pptx
+++ b/presentation/CSAW_2023_second_stage .pptx
@@ -312,7 +312,7 @@
           <a:p>
             <a:fld id="{5BF7584E-B7F9-42B6-AFB7-0AA885C436D7}" type="datetimeFigureOut">
               <a:rPr lang="el-GR" smtClean="0"/>
-              <a:t>25/10/2023</a:t>
+              <a:t>30/10/2023</a:t>
             </a:fld>
             <a:endParaRPr lang="el-GR"/>
           </a:p>
@@ -512,7 +512,7 @@
           <a:p>
             <a:fld id="{5BF7584E-B7F9-42B6-AFB7-0AA885C436D7}" type="datetimeFigureOut">
               <a:rPr lang="el-GR" smtClean="0"/>
-              <a:t>25/10/2023</a:t>
+              <a:t>30/10/2023</a:t>
             </a:fld>
             <a:endParaRPr lang="el-GR"/>
           </a:p>
@@ -722,7 +722,7 @@
           <a:p>
             <a:fld id="{5BF7584E-B7F9-42B6-AFB7-0AA885C436D7}" type="datetimeFigureOut">
               <a:rPr lang="el-GR" smtClean="0"/>
-              <a:t>25/10/2023</a:t>
+              <a:t>30/10/2023</a:t>
             </a:fld>
             <a:endParaRPr lang="el-GR"/>
           </a:p>
@@ -922,7 +922,7 @@
           <a:p>
             <a:fld id="{5BF7584E-B7F9-42B6-AFB7-0AA885C436D7}" type="datetimeFigureOut">
               <a:rPr lang="el-GR" smtClean="0"/>
-              <a:t>25/10/2023</a:t>
+              <a:t>30/10/2023</a:t>
             </a:fld>
             <a:endParaRPr lang="el-GR"/>
           </a:p>
@@ -1198,7 +1198,7 @@
           <a:p>
             <a:fld id="{5BF7584E-B7F9-42B6-AFB7-0AA885C436D7}" type="datetimeFigureOut">
               <a:rPr lang="el-GR" smtClean="0"/>
-              <a:t>25/10/2023</a:t>
+              <a:t>30/10/2023</a:t>
             </a:fld>
             <a:endParaRPr lang="el-GR"/>
           </a:p>
@@ -1466,7 +1466,7 @@
           <a:p>
             <a:fld id="{5BF7584E-B7F9-42B6-AFB7-0AA885C436D7}" type="datetimeFigureOut">
               <a:rPr lang="el-GR" smtClean="0"/>
-              <a:t>25/10/2023</a:t>
+              <a:t>30/10/2023</a:t>
             </a:fld>
             <a:endParaRPr lang="el-GR"/>
           </a:p>
@@ -1881,7 +1881,7 @@
           <a:p>
             <a:fld id="{5BF7584E-B7F9-42B6-AFB7-0AA885C436D7}" type="datetimeFigureOut">
               <a:rPr lang="el-GR" smtClean="0"/>
-              <a:t>25/10/2023</a:t>
+              <a:t>30/10/2023</a:t>
             </a:fld>
             <a:endParaRPr lang="el-GR"/>
           </a:p>
@@ -2023,7 +2023,7 @@
           <a:p>
             <a:fld id="{5BF7584E-B7F9-42B6-AFB7-0AA885C436D7}" type="datetimeFigureOut">
               <a:rPr lang="el-GR" smtClean="0"/>
-              <a:t>25/10/2023</a:t>
+              <a:t>30/10/2023</a:t>
             </a:fld>
             <a:endParaRPr lang="el-GR"/>
           </a:p>
@@ -2136,7 +2136,7 @@
           <a:p>
             <a:fld id="{5BF7584E-B7F9-42B6-AFB7-0AA885C436D7}" type="datetimeFigureOut">
               <a:rPr lang="el-GR" smtClean="0"/>
-              <a:t>25/10/2023</a:t>
+              <a:t>30/10/2023</a:t>
             </a:fld>
             <a:endParaRPr lang="el-GR"/>
           </a:p>
@@ -2449,7 +2449,7 @@
           <a:p>
             <a:fld id="{5BF7584E-B7F9-42B6-AFB7-0AA885C436D7}" type="datetimeFigureOut">
               <a:rPr lang="el-GR" smtClean="0"/>
-              <a:t>25/10/2023</a:t>
+              <a:t>30/10/2023</a:t>
             </a:fld>
             <a:endParaRPr lang="el-GR"/>
           </a:p>
@@ -2738,7 +2738,7 @@
           <a:p>
             <a:fld id="{5BF7584E-B7F9-42B6-AFB7-0AA885C436D7}" type="datetimeFigureOut">
               <a:rPr lang="el-GR" smtClean="0"/>
-              <a:t>25/10/2023</a:t>
+              <a:t>30/10/2023</a:t>
             </a:fld>
             <a:endParaRPr lang="el-GR"/>
           </a:p>
@@ -2981,7 +2981,7 @@
           <a:p>
             <a:fld id="{5BF7584E-B7F9-42B6-AFB7-0AA885C436D7}" type="datetimeFigureOut">
               <a:rPr lang="el-GR" smtClean="0"/>
-              <a:t>25/10/2023</a:t>
+              <a:t>30/10/2023</a:t>
             </a:fld>
             <a:endParaRPr lang="el-GR"/>
           </a:p>
@@ -6174,7 +6174,7 @@
         <p:spPr>
           <a:xfrm>
             <a:off x="7201677" y="2628028"/>
-            <a:ext cx="3665377" cy="1200329"/>
+            <a:ext cx="3665377" cy="923330"/>
           </a:xfrm>
           <a:prstGeom prst="rect">
             <a:avLst/>
@@ -6192,7 +6192,19 @@
               <a:rPr lang="en-US" dirty="0">
                 <a:hlinkClick r:id="rId2"/>
               </a:rPr>
-              <a:t>Prompt example: https://chat.openai.com/share/dca03999-90f9-4d24-84ba-787d94041459</a:t>
+              <a:t>Prompt for </a:t>
+            </a:r>
+            <a:r>
+              <a:rPr lang="en-US" dirty="0" err="1">
+                <a:hlinkClick r:id="rId2"/>
+              </a:rPr>
+              <a:t>transmit.v</a:t>
+            </a:r>
+            <a:r>
+              <a:rPr lang="en-US" dirty="0">
+                <a:hlinkClick r:id="rId2"/>
+              </a:rPr>
+              <a:t> : https://chat.openai.com/share/8c8fb17c-6647-4eee-8c1e-71c2bc0c1b95</a:t>
             </a:r>
             <a:endParaRPr lang="el-GR" dirty="0"/>
           </a:p>
@@ -6227,10 +6239,10 @@
           <a:lstStyle/>
           <a:p>
             <a:r>
-              <a:rPr lang="en-US" sz="4800" dirty="0">
+              <a:rPr lang="en-US" sz="4800" dirty="0" err="1">
                 <a:latin typeface="Arial Black" panose="020B0A04020102020204" pitchFamily="34" charset="0"/>
               </a:rPr>
-              <a:t>P.O.C.</a:t>
+              <a:t>P.o.C.</a:t>
             </a:r>
             <a:endParaRPr lang="el-GR" sz="4800" dirty="0">
               <a:latin typeface="Arial Black" panose="020B0A04020102020204" pitchFamily="34" charset="0"/>
